--- a/Analiza przestępczości w indiach.pptx
+++ b/Analiza przestępczości w indiach.pptx
@@ -16,7 +16,8 @@
     <p:sldId id="264" r:id="rId10"/>
     <p:sldId id="263" r:id="rId11"/>
     <p:sldId id="268" r:id="rId12"/>
-    <p:sldId id="269" r:id="rId13"/>
+    <p:sldId id="270" r:id="rId13"/>
+    <p:sldId id="269" r:id="rId14"/>
   </p:sldIdLst>
   <p:sldSz cx="12192000" cy="6858000"/>
   <p:notesSz cx="6858000" cy="9144000"/>
@@ -115,6 +116,11 @@
       </a:defRPr>
     </a:lvl9pPr>
   </p:defaultTextStyle>
+  <p:extLst>
+    <p:ext uri="{EFAFB233-063F-42B5-8137-9DF3F51BA10A}">
+      <p15:sldGuideLst xmlns:p15="http://schemas.microsoft.com/office/powerpoint/2012/main"/>
+    </p:ext>
+  </p:extLst>
 </p:presentation>
 </file>
 
@@ -3561,7 +3567,7 @@
           <a:p>
             <a:r>
               <a:rPr lang="pl-PL" sz="3200" dirty="0"/>
-              <a:t>Czas zamknięcia spraw wg miast	</a:t>
+              <a:t>Czas zamknięcia spraw według miast	</a:t>
             </a:r>
           </a:p>
         </p:txBody>
@@ -3935,6 +3941,229 @@
 </file>
 
 <file path=ppt/slides/slide12.xml><?xml version="1.0" encoding="utf-8"?>
+<p:sld xmlns:a="http://schemas.openxmlformats.org/drawingml/2006/main" xmlns:r="http://schemas.openxmlformats.org/officeDocument/2006/relationships" xmlns:p="http://schemas.openxmlformats.org/presentationml/2006/main">
+  <p:cSld>
+    <p:bg>
+      <p:bgPr>
+        <a:solidFill>
+          <a:schemeClr val="bg1"/>
+        </a:solidFill>
+        <a:effectLst/>
+      </p:bgPr>
+    </p:bg>
+    <p:spTree>
+      <p:nvGrpSpPr>
+        <p:cNvPr id="1" name="">
+          <a:extLst>
+            <a:ext uri="{FF2B5EF4-FFF2-40B4-BE49-F238E27FC236}">
+              <a16:creationId xmlns:a16="http://schemas.microsoft.com/office/drawing/2014/main" id="{A81D8315-AA3B-5F61-8F0B-44ADC8F95A10}"/>
+            </a:ext>
+          </a:extLst>
+        </p:cNvPr>
+        <p:cNvGrpSpPr/>
+        <p:nvPr/>
+      </p:nvGrpSpPr>
+      <p:grpSpPr>
+        <a:xfrm>
+          <a:off x="0" y="0"/>
+          <a:ext cx="0" cy="0"/>
+          <a:chOff x="0" y="0"/>
+          <a:chExt cx="0" cy="0"/>
+        </a:xfrm>
+      </p:grpSpPr>
+      <p:pic>
+        <p:nvPicPr>
+          <p:cNvPr id="4" name="Picture 3" descr="A screenshot of a graph&#10;&#10;AI-generated content may be incorrect.">
+            <a:extLst>
+              <a:ext uri="{FF2B5EF4-FFF2-40B4-BE49-F238E27FC236}">
+                <a16:creationId xmlns:a16="http://schemas.microsoft.com/office/drawing/2014/main" id="{9E21E38E-9FCC-28AA-7E86-AA8C0BBA70A1}"/>
+              </a:ext>
+            </a:extLst>
+          </p:cNvPr>
+          <p:cNvPicPr>
+            <a:picLocks noChangeAspect="1"/>
+          </p:cNvPicPr>
+          <p:nvPr/>
+        </p:nvPicPr>
+        <p:blipFill>
+          <a:blip r:embed="rId2">
+            <a:extLst>
+              <a:ext uri="{28A0092B-C50C-407E-A947-70E740481C1C}">
+                <a14:useLocalDpi xmlns:a14="http://schemas.microsoft.com/office/drawing/2010/main" val="0"/>
+              </a:ext>
+            </a:extLst>
+          </a:blip>
+          <a:stretch>
+            <a:fillRect/>
+          </a:stretch>
+        </p:blipFill>
+        <p:spPr>
+          <a:xfrm>
+            <a:off x="171450" y="818439"/>
+            <a:ext cx="7686282" cy="5668924"/>
+          </a:xfrm>
+          <a:prstGeom prst="rect">
+            <a:avLst/>
+          </a:prstGeom>
+        </p:spPr>
+      </p:pic>
+      <p:sp>
+        <p:nvSpPr>
+          <p:cNvPr id="2" name="Title 1">
+            <a:extLst>
+              <a:ext uri="{FF2B5EF4-FFF2-40B4-BE49-F238E27FC236}">
+                <a16:creationId xmlns:a16="http://schemas.microsoft.com/office/drawing/2014/main" id="{E42BDA38-BCBF-4F70-B084-431458A9908E}"/>
+              </a:ext>
+            </a:extLst>
+          </p:cNvPr>
+          <p:cNvSpPr>
+            <a:spLocks noGrp="1"/>
+          </p:cNvSpPr>
+          <p:nvPr>
+            <p:ph type="title"/>
+          </p:nvPr>
+        </p:nvSpPr>
+        <p:spPr>
+          <a:xfrm>
+            <a:off x="7857732" y="370637"/>
+            <a:ext cx="3075836" cy="1366141"/>
+          </a:xfrm>
+        </p:spPr>
+        <p:txBody>
+          <a:bodyPr>
+            <a:normAutofit fontScale="90000"/>
+          </a:bodyPr>
+          <a:lstStyle/>
+          <a:p>
+            <a:r>
+              <a:rPr lang="pl-PL" sz="3200" dirty="0"/>
+              <a:t>Przestepstwa na 100 000 mieszkańców (2020 – 2025)</a:t>
+            </a:r>
+          </a:p>
+        </p:txBody>
+      </p:sp>
+      <p:sp>
+        <p:nvSpPr>
+          <p:cNvPr id="8" name="Content Placeholder 19">
+            <a:extLst>
+              <a:ext uri="{FF2B5EF4-FFF2-40B4-BE49-F238E27FC236}">
+                <a16:creationId xmlns:a16="http://schemas.microsoft.com/office/drawing/2014/main" id="{94BCD313-A73E-4D29-D0EF-5DE4DA958601}"/>
+              </a:ext>
+            </a:extLst>
+          </p:cNvPr>
+          <p:cNvSpPr>
+            <a:spLocks noGrp="1"/>
+          </p:cNvSpPr>
+          <p:nvPr>
+            <p:ph idx="1"/>
+          </p:nvPr>
+        </p:nvSpPr>
+        <p:spPr>
+          <a:xfrm>
+            <a:off x="7763256" y="1855039"/>
+            <a:ext cx="3264788" cy="4632324"/>
+          </a:xfrm>
+        </p:spPr>
+        <p:txBody>
+          <a:bodyPr>
+            <a:normAutofit fontScale="70000" lnSpcReduction="20000"/>
+          </a:bodyPr>
+          <a:lstStyle/>
+          <a:p>
+            <a:pPr marL="0" indent="0">
+              <a:buNone/>
+            </a:pPr>
+            <a:r>
+              <a:rPr lang="pl-PL" sz="1300" b="1" dirty="0"/>
+              <a:t>Tendencja spadkowa:</a:t>
+            </a:r>
+          </a:p>
+          <a:p>
+            <a:r>
+              <a:rPr lang="pl-PL" sz="1300" dirty="0"/>
+              <a:t>We wszystkich miastach zauważalny jest stopniowy spadek przestępczości w przeliczeniu na mieszkańca od 2020 do 2024 roku.</a:t>
+            </a:r>
+          </a:p>
+          <a:p>
+            <a:r>
+              <a:rPr lang="pl-PL" sz="1300" dirty="0"/>
+              <a:t>Może to sugerować poprawę efektywności działań prewencyjnych, wzrost bezpieczeństwa lub zmianę metodologii raportowania przestępstw.</a:t>
+            </a:r>
+          </a:p>
+          <a:p>
+            <a:pPr marL="0" indent="0">
+              <a:buNone/>
+            </a:pPr>
+            <a:r>
+              <a:rPr lang="pl-PL" sz="1300" b="1" dirty="0"/>
+              <a:t>Najwyższe wskaźniki:</a:t>
+            </a:r>
+          </a:p>
+          <a:p>
+            <a:r>
+              <a:rPr lang="pl-PL" sz="1300" dirty="0"/>
+              <a:t>Jaipur, Pune i Bangalore mają najwyższy poziom przestępczości per capita.</a:t>
+            </a:r>
+          </a:p>
+          <a:p>
+            <a:r>
+              <a:rPr lang="pl-PL" sz="1300" dirty="0"/>
+              <a:t>Jaipur w 2020 roku przekroczył 37 przestępstw na 100 000 mieszkańców – najwyższy poziom na wykresie.</a:t>
+            </a:r>
+          </a:p>
+          <a:p>
+            <a:pPr marL="0" indent="0">
+              <a:buNone/>
+            </a:pPr>
+            <a:r>
+              <a:rPr lang="pl-PL" sz="1300" b="1" dirty="0"/>
+              <a:t>Najniższe wskaźniki:</a:t>
+            </a:r>
+          </a:p>
+          <a:p>
+            <a:r>
+              <a:rPr lang="pl-PL" sz="1300" dirty="0"/>
+              <a:t>Surat oraz Kolkata mają najniższe wartości przestępczości przez wszystkie lata – poniżej 20 przestępstw na 100 000 mieszkańców.</a:t>
+            </a:r>
+          </a:p>
+          <a:p>
+            <a:pPr marL="0" indent="0">
+              <a:buNone/>
+            </a:pPr>
+            <a:r>
+              <a:rPr lang="pl-PL" sz="1300" b="1" dirty="0"/>
+              <a:t>Stabilność danych:</a:t>
+            </a:r>
+          </a:p>
+          <a:p>
+            <a:r>
+              <a:rPr lang="pl-PL" sz="1300" dirty="0"/>
+              <a:t>W większości miast spadek jest stopniowy i systematyczny.</a:t>
+            </a:r>
+          </a:p>
+          <a:p>
+            <a:r>
+              <a:rPr lang="pl-PL" sz="1300" dirty="0"/>
+              <a:t>Brak gwałtownych zmian między latami wskazuje na stabilne trendy przestępczości.</a:t>
+            </a:r>
+            <a:endParaRPr lang="en-US" sz="1300" dirty="0"/>
+          </a:p>
+        </p:txBody>
+      </p:sp>
+    </p:spTree>
+    <p:extLst>
+      <p:ext uri="{BB962C8B-B14F-4D97-AF65-F5344CB8AC3E}">
+        <p14:creationId xmlns:p14="http://schemas.microsoft.com/office/powerpoint/2010/main" val="3097127365"/>
+      </p:ext>
+    </p:extLst>
+  </p:cSld>
+  <p:clrMapOvr>
+    <a:masterClrMapping/>
+  </p:clrMapOvr>
+</p:sld>
+</file>
+
+<file path=ppt/slides/slide13.xml><?xml version="1.0" encoding="utf-8"?>
 <p:sld xmlns:a="http://schemas.openxmlformats.org/drawingml/2006/main" xmlns:r="http://schemas.openxmlformats.org/officeDocument/2006/relationships" xmlns:p="http://schemas.openxmlformats.org/presentationml/2006/main">
   <p:cSld>
     <p:bg>
@@ -4969,7 +5198,7 @@
           <a:p>
             <a:r>
               <a:rPr lang="pl-PL" sz="3200" dirty="0"/>
-              <a:t>Płeć ofiar wg rodzaju przestępstwa</a:t>
+              <a:t>Płeć ofiar według rodzaju przestępstwa</a:t>
             </a:r>
           </a:p>
         </p:txBody>
@@ -5004,13 +5233,13 @@
           <a:p>
             <a:r>
               <a:rPr lang="pl-PL" sz="1300" dirty="0"/>
-              <a:t>Ofiarami przestępstw takich jak Sexaul Assault oraz Domestic Violence częściej są kobiety</a:t>
+              <a:t>Ofiarami przestępstw takich jak napaści seksualnych oraz przemocy domwoej częściej są kobiety</a:t>
             </a:r>
           </a:p>
           <a:p>
             <a:r>
               <a:rPr lang="pl-PL" sz="1300" dirty="0"/>
-              <a:t>Przestęppstwa takie jak Fraud, Burgralary, Vandalism, Identity theft oraz Firearm Offense wykazują bardziej równomierny udział kobiet i mężczyzn jako ofiar.</a:t>
+              <a:t>Przestępstwa takie jak Oszustwa, Włamania, Wandalizm, Kradzież Tożsamości oraz przestępstwo z uzyciem broni palnej wykazują bardziej równomierny udział kobiet i mężczyzn jako ofiar.</a:t>
             </a:r>
           </a:p>
           <a:p>
@@ -5131,13 +5360,13 @@
         </p:spPr>
         <p:txBody>
           <a:bodyPr>
-            <a:normAutofit/>
+            <a:normAutofit fontScale="90000"/>
           </a:bodyPr>
           <a:lstStyle/>
           <a:p>
             <a:r>
               <a:rPr lang="pl-PL" sz="3000" dirty="0"/>
-              <a:t>Najczęstsze typy przestępstw</a:t>
+              <a:t>Przestępstwa pod względem częstotliwości występowania</a:t>
             </a:r>
           </a:p>
         </p:txBody>
@@ -5161,7 +5390,7 @@
         <p:spPr>
           <a:xfrm>
             <a:off x="7878675" y="2325157"/>
-            <a:ext cx="3075836" cy="3854979"/>
+            <a:ext cx="2993541" cy="3854979"/>
           </a:xfrm>
         </p:spPr>
         <p:txBody>
@@ -5172,7 +5401,7 @@
           <a:p>
             <a:r>
               <a:rPr lang="pl-PL" sz="1400" dirty="0"/>
-              <a:t>Najczęsciej popełniane przestępstwa na terenie Indii:</a:t>
+              <a:t>Najczęsciej popełniane przestępstwa :</a:t>
             </a:r>
           </a:p>
           <a:p>
@@ -5186,7 +5415,7 @@
             </a:r>
             <a:r>
               <a:rPr lang="pl-PL" sz="1400" dirty="0"/>
-              <a:t> - Burglary</a:t>
+              <a:t> (1980)</a:t>
             </a:r>
           </a:p>
           <a:p>
@@ -5200,7 +5429,7 @@
             </a:r>
             <a:r>
               <a:rPr lang="pl-PL" sz="1400" dirty="0"/>
-              <a:t> - Vandalism</a:t>
+              <a:t> (1975)</a:t>
             </a:r>
           </a:p>
           <a:p>
@@ -5214,15 +5443,14 @@
             </a:r>
             <a:r>
               <a:rPr lang="pl-PL" sz="1400" dirty="0"/>
-              <a:t> – Fraud</a:t>
-            </a:r>
-          </a:p>
-          <a:p>
-            <a:r>
-              <a:rPr lang="pl-PL" sz="1400" dirty="0"/>
-              <a:t>Kategorie przestępstw znajdujące się na dole wykresu (np. napaść, napaść seksualna) charakteryzują się tylko nieznacznie mniejszą liczbą zdarzeń w porównaniu do trzech najczęściej występujących kategorii</a:t>
-            </a:r>
-            <a:endParaRPr lang="pl-PL" sz="1600" dirty="0"/>
+              <a:t> (1965)</a:t>
+            </a:r>
+          </a:p>
+          <a:p>
+            <a:pPr marL="274320" lvl="1" indent="0">
+              <a:buNone/>
+            </a:pPr>
+            <a:endParaRPr lang="pl-PL" sz="1400" dirty="0"/>
           </a:p>
         </p:txBody>
       </p:sp>
@@ -5298,8 +5526,8 @@
         </p:blipFill>
         <p:spPr>
           <a:xfrm>
-            <a:off x="-76201" y="1074641"/>
-            <a:ext cx="8696325" cy="4926110"/>
+            <a:off x="0" y="1074641"/>
+            <a:ext cx="8620124" cy="4926110"/>
           </a:xfrm>
           <a:prstGeom prst="rect">
             <a:avLst/>
@@ -5324,8 +5552,8 @@
         </p:nvSpPr>
         <p:spPr>
           <a:xfrm>
-            <a:off x="8173950" y="252826"/>
-            <a:ext cx="3075836" cy="1366141"/>
+            <a:off x="8019288" y="252826"/>
+            <a:ext cx="3230498" cy="1366141"/>
           </a:xfrm>
         </p:spPr>
         <p:txBody>
@@ -5336,7 +5564,7 @@
           <a:p>
             <a:r>
               <a:rPr lang="pl-PL" sz="3000" dirty="0"/>
-              <a:t>Policja vs. typ przestępstwa</a:t>
+              <a:t>Policja kontra typ przestępstwa</a:t>
             </a:r>
           </a:p>
         </p:txBody>
@@ -5536,7 +5764,7 @@
           <a:p>
             <a:r>
               <a:rPr lang="pl-PL" sz="3200" dirty="0"/>
-              <a:t>Średni czas zamknięcia sprawy vs. liczba policjantów</a:t>
+              <a:t>Średni czas zamknięcia sprawy kontra liczba policjantów</a:t>
             </a:r>
           </a:p>
         </p:txBody>
@@ -5825,7 +6053,7 @@
           <a:p>
             <a:r>
               <a:rPr lang="pl-PL" sz="3200" dirty="0"/>
-              <a:t>Czas zamknięcia sprawy wg typu przestępstwa</a:t>
+              <a:t>Czas zamknięcia sprawy według typu przestępstwa</a:t>
             </a:r>
           </a:p>
         </p:txBody>
@@ -5896,7 +6124,7 @@
           <a:p>
             <a:r>
               <a:rPr lang="pl-PL" sz="1300" b="1" dirty="0"/>
-              <a:t>Sexual Assault </a:t>
+              <a:t>Napaść na tle Seksualnym) </a:t>
             </a:r>
             <a:r>
               <a:rPr lang="pl-PL" sz="1300" dirty="0"/>
@@ -5913,7 +6141,7 @@
           <a:p>
             <a:r>
               <a:rPr lang="pl-PL" sz="1300" b="1" dirty="0"/>
-              <a:t>Burglary oraz Robbery </a:t>
+              <a:t>Włamanie oraz Rabunki </a:t>
             </a:r>
             <a:r>
               <a:rPr lang="pl-PL" sz="1300" dirty="0"/>
